--- a/BaoCao_SEMANTIC_WEB_Nhom9.pptx
+++ b/BaoCao_SEMANTIC_WEB_Nhom9.pptx
@@ -231,7 +231,7 @@
           <a:p>
             <a:fld id="{6D40EBDB-B800-4472-951A-F0B6461FE765}" type="datetimeFigureOut">
               <a:rPr lang="en-US" smtClean="0"/>
-              <a:t>08-Jan-26</a:t>
+              <a:t>09-Jan-26</a:t>
             </a:fld>
             <a:endParaRPr lang="en-US"/>
           </a:p>
@@ -2563,7 +2563,7 @@
             <a:fld id="{D86B3AB3-BDCC-41BF-8781-963E853753C3}" type="datetime1">
               <a:rPr lang="en-US" smtClean="0"/>
               <a:pPr/>
-              <a:t>08-Jan-26</a:t>
+              <a:t>09-Jan-26</a:t>
             </a:fld>
             <a:endParaRPr lang="en-US"/>
           </a:p>
@@ -3975,7 +3975,7 @@
             <a:fld id="{D86B3AB3-BDCC-41BF-8781-963E853753C3}" type="datetime1">
               <a:rPr lang="en-US" smtClean="0"/>
               <a:pPr/>
-              <a:t>08-Jan-26</a:t>
+              <a:t>09-Jan-26</a:t>
             </a:fld>
             <a:endParaRPr lang="en-US"/>
           </a:p>
@@ -5217,7 +5217,7 @@
             <a:fld id="{D86B3AB3-BDCC-41BF-8781-963E853753C3}" type="datetime1">
               <a:rPr lang="en-US" smtClean="0"/>
               <a:pPr/>
-              <a:t>08-Jan-26</a:t>
+              <a:t>09-Jan-26</a:t>
             </a:fld>
             <a:endParaRPr lang="en-US"/>
           </a:p>
@@ -6451,7 +6451,7 @@
             <a:fld id="{D86B3AB3-BDCC-41BF-8781-963E853753C3}" type="datetime1">
               <a:rPr lang="en-US" smtClean="0"/>
               <a:pPr/>
-              <a:t>08-Jan-26</a:t>
+              <a:t>09-Jan-26</a:t>
             </a:fld>
             <a:endParaRPr lang="en-US"/>
           </a:p>
@@ -7573,7 +7573,7 @@
             <a:fld id="{D86B3AB3-BDCC-41BF-8781-963E853753C3}" type="datetime1">
               <a:rPr lang="en-US" smtClean="0"/>
               <a:pPr/>
-              <a:t>08-Jan-26</a:t>
+              <a:t>09-Jan-26</a:t>
             </a:fld>
             <a:endParaRPr lang="en-US"/>
           </a:p>
@@ -8695,7 +8695,7 @@
             <a:fld id="{D86B3AB3-BDCC-41BF-8781-963E853753C3}" type="datetime1">
               <a:rPr lang="en-US" smtClean="0"/>
               <a:pPr/>
-              <a:t>08-Jan-26</a:t>
+              <a:t>09-Jan-26</a:t>
             </a:fld>
             <a:endParaRPr lang="en-US"/>
           </a:p>
@@ -9835,7 +9835,7 @@
             <a:fld id="{D86B3AB3-BDCC-41BF-8781-963E853753C3}" type="datetime1">
               <a:rPr lang="en-US" smtClean="0"/>
               <a:pPr/>
-              <a:t>08-Jan-26</a:t>
+              <a:t>09-Jan-26</a:t>
             </a:fld>
             <a:endParaRPr lang="en-US"/>
           </a:p>
@@ -11007,7 +11007,7 @@
             <a:fld id="{D86B3AB3-BDCC-41BF-8781-963E853753C3}" type="datetime1">
               <a:rPr lang="en-US" smtClean="0"/>
               <a:pPr/>
-              <a:t>08-Jan-26</a:t>
+              <a:t>09-Jan-26</a:t>
             </a:fld>
             <a:endParaRPr lang="en-US"/>
           </a:p>
@@ -12052,7 +12052,7 @@
             <a:fld id="{D86B3AB3-BDCC-41BF-8781-963E853753C3}" type="datetime1">
               <a:rPr lang="en-US" smtClean="0"/>
               <a:pPr/>
-              <a:t>08-Jan-26</a:t>
+              <a:t>09-Jan-26</a:t>
             </a:fld>
             <a:endParaRPr lang="en-US"/>
           </a:p>
@@ -13585,7 +13585,7 @@
             <a:fld id="{D86B3AB3-BDCC-41BF-8781-963E853753C3}" type="datetime1">
               <a:rPr lang="en-US" smtClean="0"/>
               <a:pPr/>
-              <a:t>08-Jan-26</a:t>
+              <a:t>09-Jan-26</a:t>
             </a:fld>
             <a:endParaRPr lang="en-US"/>
           </a:p>
@@ -14867,7 +14867,7 @@
             <a:fld id="{D86B3AB3-BDCC-41BF-8781-963E853753C3}" type="datetime1">
               <a:rPr lang="en-US" smtClean="0"/>
               <a:pPr/>
-              <a:t>08-Jan-26</a:t>
+              <a:t>09-Jan-26</a:t>
             </a:fld>
             <a:endParaRPr lang="en-US"/>
           </a:p>
@@ -15691,7 +15691,7 @@
             <a:fld id="{D86B3AB3-BDCC-41BF-8781-963E853753C3}" type="datetime1">
               <a:rPr lang="en-US" smtClean="0"/>
               <a:pPr/>
-              <a:t>08-Jan-26</a:t>
+              <a:t>09-Jan-26</a:t>
             </a:fld>
             <a:endParaRPr lang="en-US"/>
           </a:p>
@@ -17009,7 +17009,7 @@
             <a:fld id="{D86B3AB3-BDCC-41BF-8781-963E853753C3}" type="datetime1">
               <a:rPr lang="en-US" smtClean="0"/>
               <a:pPr/>
-              <a:t>08-Jan-26</a:t>
+              <a:t>09-Jan-26</a:t>
             </a:fld>
             <a:endParaRPr lang="en-US"/>
           </a:p>
@@ -17961,7 +17961,7 @@
             <a:fld id="{D86B3AB3-BDCC-41BF-8781-963E853753C3}" type="datetime1">
               <a:rPr lang="en-US" smtClean="0"/>
               <a:pPr/>
-              <a:t>08-Jan-26</a:t>
+              <a:t>09-Jan-26</a:t>
             </a:fld>
             <a:endParaRPr lang="en-US"/>
           </a:p>
@@ -18801,7 +18801,7 @@
             <a:fld id="{D86B3AB3-BDCC-41BF-8781-963E853753C3}" type="datetime1">
               <a:rPr lang="en-US" smtClean="0"/>
               <a:pPr/>
-              <a:t>08-Jan-26</a:t>
+              <a:t>09-Jan-26</a:t>
             </a:fld>
             <a:endParaRPr lang="en-US"/>
           </a:p>
@@ -19661,7 +19661,7 @@
             <a:fld id="{D86B3AB3-BDCC-41BF-8781-963E853753C3}" type="datetime1">
               <a:rPr lang="en-US" smtClean="0"/>
               <a:pPr/>
-              <a:t>08-Jan-26</a:t>
+              <a:t>09-Jan-26</a:t>
             </a:fld>
             <a:endParaRPr lang="en-US"/>
           </a:p>
@@ -20085,7 +20085,7 @@
             <a:fld id="{D86B3AB3-BDCC-41BF-8781-963E853753C3}" type="datetime1">
               <a:rPr lang="en-US" smtClean="0"/>
               <a:pPr/>
-              <a:t>08-Jan-26</a:t>
+              <a:t>09-Jan-26</a:t>
             </a:fld>
             <a:endParaRPr lang="en-US"/>
           </a:p>
@@ -21395,7 +21395,7 @@
             <a:fld id="{D86B3AB3-BDCC-41BF-8781-963E853753C3}" type="datetime1">
               <a:rPr lang="en-US" smtClean="0"/>
               <a:pPr/>
-              <a:t>08-Jan-26</a:t>
+              <a:t>09-Jan-26</a:t>
             </a:fld>
             <a:endParaRPr lang="en-US"/>
           </a:p>
@@ -24506,7 +24506,7 @@
             <a:fld id="{D86B3AB3-BDCC-41BF-8781-963E853753C3}" type="datetime1">
               <a:rPr lang="en-US" smtClean="0"/>
               <a:pPr/>
-              <a:t>08-Jan-26</a:t>
+              <a:t>09-Jan-26</a:t>
             </a:fld>
             <a:endParaRPr lang="en-US"/>
           </a:p>
@@ -27775,7 +27775,7 @@
             <a:fld id="{D86B3AB3-BDCC-41BF-8781-963E853753C3}" type="datetime1">
               <a:rPr lang="en-US" smtClean="0"/>
               <a:pPr/>
-              <a:t>08-Jan-26</a:t>
+              <a:t>09-Jan-26</a:t>
             </a:fld>
             <a:endParaRPr lang="en-US"/>
           </a:p>
@@ -28930,7 +28930,7 @@
             <a:fld id="{D86B3AB3-BDCC-41BF-8781-963E853753C3}" type="datetime1">
               <a:rPr lang="en-US" smtClean="0"/>
               <a:pPr/>
-              <a:t>08-Jan-26</a:t>
+              <a:t>09-Jan-26</a:t>
             </a:fld>
             <a:endParaRPr lang="en-US"/>
           </a:p>
@@ -30059,7 +30059,7 @@
             <a:fld id="{D86B3AB3-BDCC-41BF-8781-963E853753C3}" type="datetime1">
               <a:rPr lang="en-US" smtClean="0"/>
               <a:pPr/>
-              <a:t>08-Jan-26</a:t>
+              <a:t>09-Jan-26</a:t>
             </a:fld>
             <a:endParaRPr lang="en-US"/>
           </a:p>
@@ -33515,7 +33515,7 @@
             <a:fld id="{D86B3AB3-BDCC-41BF-8781-963E853753C3}" type="datetime1">
               <a:rPr lang="en-US" smtClean="0"/>
               <a:pPr/>
-              <a:t>08-Jan-26</a:t>
+              <a:t>09-Jan-26</a:t>
             </a:fld>
             <a:endParaRPr lang="en-US"/>
           </a:p>
@@ -34838,7 +34838,7 @@
             <a:fld id="{D86B3AB3-BDCC-41BF-8781-963E853753C3}" type="datetime1">
               <a:rPr lang="en-US" smtClean="0"/>
               <a:pPr/>
-              <a:t>08-Jan-26</a:t>
+              <a:t>09-Jan-26</a:t>
             </a:fld>
             <a:endParaRPr lang="en-US"/>
           </a:p>
@@ -36054,7 +36054,7 @@
             <a:fld id="{D86B3AB3-BDCC-41BF-8781-963E853753C3}" type="datetime1">
               <a:rPr lang="en-US" smtClean="0"/>
               <a:pPr/>
-              <a:t>08-Jan-26</a:t>
+              <a:t>09-Jan-26</a:t>
             </a:fld>
             <a:endParaRPr lang="en-US"/>
           </a:p>
@@ -37119,7 +37119,7 @@
             <a:fld id="{D86B3AB3-BDCC-41BF-8781-963E853753C3}" type="datetime1">
               <a:rPr lang="en-US" smtClean="0"/>
               <a:pPr/>
-              <a:t>08-Jan-26</a:t>
+              <a:t>09-Jan-26</a:t>
             </a:fld>
             <a:endParaRPr lang="en-US"/>
           </a:p>
@@ -38130,7 +38130,7 @@
             <a:fld id="{D86B3AB3-BDCC-41BF-8781-963E853753C3}" type="datetime1">
               <a:rPr lang="en-US" smtClean="0"/>
               <a:pPr/>
-              <a:t>08-Jan-26</a:t>
+              <a:t>09-Jan-26</a:t>
             </a:fld>
             <a:endParaRPr lang="en-US"/>
           </a:p>
@@ -39174,7 +39174,7 @@
             <a:fld id="{D86B3AB3-BDCC-41BF-8781-963E853753C3}" type="datetime1">
               <a:rPr lang="en-US" smtClean="0"/>
               <a:pPr/>
-              <a:t>08-Jan-26</a:t>
+              <a:t>09-Jan-26</a:t>
             </a:fld>
             <a:endParaRPr lang="en-US"/>
           </a:p>
@@ -40312,7 +40312,7 @@
             <a:fld id="{D86B3AB3-BDCC-41BF-8781-963E853753C3}" type="datetime1">
               <a:rPr lang="en-US" smtClean="0"/>
               <a:pPr/>
-              <a:t>08-Jan-26</a:t>
+              <a:t>09-Jan-26</a:t>
             </a:fld>
             <a:endParaRPr lang="en-US"/>
           </a:p>
@@ -40703,7 +40703,7 @@
             <a:fld id="{00D1CE85-AA59-46D7-98F4-301D80B40614}" type="datetimeFigureOut">
               <a:rPr lang="en-US" smtClean="0"/>
               <a:pPr/>
-              <a:t>08-Jan-26</a:t>
+              <a:t>09-Jan-26</a:t>
             </a:fld>
             <a:endParaRPr lang="en-US"/>
           </a:p>
@@ -41813,10 +41813,10 @@
       </p:sp>
       <p:pic>
         <p:nvPicPr>
-          <p:cNvPr id="8" name="Picture 7">
+          <p:cNvPr id="4" name="Picture 3">
             <a:extLst>
               <a:ext uri="{FF2B5EF4-FFF2-40B4-BE49-F238E27FC236}">
-                <a16:creationId xmlns:a16="http://schemas.microsoft.com/office/drawing/2014/main" id="{2920EB05-B0FD-019F-CE63-552E4421F93F}"/>
+                <a16:creationId xmlns:a16="http://schemas.microsoft.com/office/drawing/2014/main" id="{EA41927B-2965-3C67-CF9F-1154759B6219}"/>
               </a:ext>
             </a:extLst>
           </p:cNvPr>
@@ -41833,8 +41833,8 @@
         </p:blipFill>
         <p:spPr>
           <a:xfrm>
-            <a:off x="3496731" y="1071255"/>
-            <a:ext cx="7857069" cy="5160215"/>
+            <a:off x="3815636" y="1219201"/>
+            <a:ext cx="6683023" cy="5117854"/>
           </a:xfrm>
           <a:prstGeom prst="rect">
             <a:avLst/>
